--- a/doc/presentations/project_status_28_3.pptx
+++ b/doc/presentations/project_status_28_3.pptx
@@ -5,41 +5,40 @@
     <p:sldMasterId id="2147483651" r:id="rId1"/>
   </p:sldMasterIdLst>
   <p:notesMasterIdLst>
-    <p:notesMasterId r:id="rId17"/>
+    <p:notesMasterId r:id="rId16"/>
   </p:notesMasterIdLst>
   <p:sldIdLst>
     <p:sldId id="256" r:id="rId2"/>
     <p:sldId id="258" r:id="rId3"/>
-    <p:sldId id="271" r:id="rId4"/>
-    <p:sldId id="278" r:id="rId5"/>
-    <p:sldId id="279" r:id="rId6"/>
-    <p:sldId id="280" r:id="rId7"/>
-    <p:sldId id="281" r:id="rId8"/>
-    <p:sldId id="277" r:id="rId9"/>
-    <p:sldId id="272" r:id="rId10"/>
-    <p:sldId id="273" r:id="rId11"/>
-    <p:sldId id="274" r:id="rId12"/>
-    <p:sldId id="282" r:id="rId13"/>
-    <p:sldId id="275" r:id="rId14"/>
-    <p:sldId id="276" r:id="rId15"/>
-    <p:sldId id="270" r:id="rId16"/>
+    <p:sldId id="278" r:id="rId4"/>
+    <p:sldId id="279" r:id="rId5"/>
+    <p:sldId id="280" r:id="rId6"/>
+    <p:sldId id="281" r:id="rId7"/>
+    <p:sldId id="277" r:id="rId8"/>
+    <p:sldId id="272" r:id="rId9"/>
+    <p:sldId id="273" r:id="rId10"/>
+    <p:sldId id="274" r:id="rId11"/>
+    <p:sldId id="282" r:id="rId12"/>
+    <p:sldId id="275" r:id="rId13"/>
+    <p:sldId id="276" r:id="rId14"/>
+    <p:sldId id="270" r:id="rId15"/>
   </p:sldIdLst>
   <p:sldSz cx="9144000" cy="6858000" type="screen4x3"/>
   <p:notesSz cx="6858000" cy="9144000"/>
   <p:embeddedFontLst>
     <p:embeddedFont>
       <p:font typeface="Calibri" panose="020F0502020204030204" pitchFamily="34" charset="0"/>
-      <p:regular r:id="rId18"/>
-      <p:bold r:id="rId19"/>
-      <p:italic r:id="rId20"/>
-      <p:boldItalic r:id="rId21"/>
+      <p:regular r:id="rId17"/>
+      <p:bold r:id="rId18"/>
+      <p:italic r:id="rId19"/>
+      <p:boldItalic r:id="rId20"/>
     </p:embeddedFont>
     <p:embeddedFont>
       <p:font typeface="Corbel" panose="020B0503020204020204" pitchFamily="34" charset="0"/>
-      <p:regular r:id="rId22"/>
-      <p:bold r:id="rId23"/>
-      <p:italic r:id="rId24"/>
-      <p:boldItalic r:id="rId25"/>
+      <p:regular r:id="rId21"/>
+      <p:bold r:id="rId22"/>
+      <p:italic r:id="rId23"/>
+      <p:boldItalic r:id="rId24"/>
     </p:embeddedFont>
   </p:embeddedFontLst>
   <p:defaultTextStyle>
@@ -1982,7 +1981,7 @@
     </p:spTree>
     <p:extLst>
       <p:ext uri="{BB962C8B-B14F-4D97-AF65-F5344CB8AC3E}">
-        <p14:creationId xmlns:p14="http://schemas.microsoft.com/office/powerpoint/2010/main" val="496863171"/>
+        <p14:creationId xmlns:p14="http://schemas.microsoft.com/office/powerpoint/2010/main" val="1483216739"/>
       </p:ext>
     </p:extLst>
   </p:cSld>
@@ -1993,133 +1992,6 @@
 </file>
 
 <file path=ppt/notesSlides/notesSlide11.xml><?xml version="1.0" encoding="utf-8"?>
-<p:notes xmlns:a="http://schemas.openxmlformats.org/drawingml/2006/main" xmlns:r="http://schemas.openxmlformats.org/officeDocument/2006/relationships" xmlns:p="http://schemas.openxmlformats.org/presentationml/2006/main" showMasterSp="0" showMasterPhAnim="0">
-  <p:cSld>
-    <p:spTree>
-      <p:nvGrpSpPr>
-        <p:cNvPr id="1" name="Shape 47"/>
-        <p:cNvGrpSpPr/>
-        <p:nvPr/>
-      </p:nvGrpSpPr>
-      <p:grpSpPr>
-        <a:xfrm>
-          <a:off x="0" y="0"/>
-          <a:ext cx="0" cy="0"/>
-          <a:chOff x="0" y="0"/>
-          <a:chExt cx="0" cy="0"/>
-        </a:xfrm>
-      </p:grpSpPr>
-      <p:sp>
-        <p:nvSpPr>
-          <p:cNvPr id="48" name="Google Shape;48;g11a469186e2_0_0:notes"/>
-          <p:cNvSpPr txBox="1">
-            <a:spLocks noGrp="1"/>
-          </p:cNvSpPr>
-          <p:nvPr>
-            <p:ph type="body" idx="1"/>
-          </p:nvPr>
-        </p:nvSpPr>
-        <p:spPr>
-          <a:xfrm>
-            <a:off x="685800" y="4343400"/>
-            <a:ext cx="5486400" cy="4114800"/>
-          </a:xfrm>
-          <a:prstGeom prst="rect">
-            <a:avLst/>
-          </a:prstGeom>
-          <a:noFill/>
-          <a:ln>
-            <a:noFill/>
-          </a:ln>
-        </p:spPr>
-        <p:txBody>
-          <a:bodyPr spcFirstLastPara="1" wrap="square" lIns="91425" tIns="45700" rIns="91425" bIns="45700" anchor="t" anchorCtr="0">
-            <a:noAutofit/>
-          </a:bodyPr>
-          <a:lstStyle/>
-          <a:p>
-            <a:pPr marL="0" lvl="0" indent="0" algn="l" rtl="0">
-              <a:lnSpc>
-                <a:spcPct val="100000"/>
-              </a:lnSpc>
-              <a:spcBef>
-                <a:spcPts val="0"/>
-              </a:spcBef>
-              <a:spcAft>
-                <a:spcPts val="0"/>
-              </a:spcAft>
-              <a:buSzPts val="1400"/>
-              <a:buNone/>
-            </a:pPr>
-            <a:endParaRPr/>
-          </a:p>
-        </p:txBody>
-      </p:sp>
-      <p:sp>
-        <p:nvSpPr>
-          <p:cNvPr id="49" name="Google Shape;49;g11a469186e2_0_0:notes"/>
-          <p:cNvSpPr>
-            <a:spLocks noGrp="1" noRot="1" noChangeAspect="1"/>
-          </p:cNvSpPr>
-          <p:nvPr>
-            <p:ph type="sldImg" idx="2"/>
-          </p:nvPr>
-        </p:nvSpPr>
-        <p:spPr>
-          <a:xfrm>
-            <a:off x="1143000" y="685800"/>
-            <a:ext cx="4572000" cy="3429000"/>
-          </a:xfrm>
-          <a:custGeom>
-            <a:avLst/>
-            <a:gdLst/>
-            <a:ahLst/>
-            <a:cxnLst/>
-            <a:rect l="l" t="t" r="r" b="b"/>
-            <a:pathLst>
-              <a:path w="120000" h="120000" extrusionOk="0">
-                <a:moveTo>
-                  <a:pt x="0" y="0"/>
-                </a:moveTo>
-                <a:lnTo>
-                  <a:pt x="120000" y="0"/>
-                </a:lnTo>
-                <a:lnTo>
-                  <a:pt x="120000" y="120000"/>
-                </a:lnTo>
-                <a:lnTo>
-                  <a:pt x="0" y="120000"/>
-                </a:lnTo>
-                <a:close/>
-              </a:path>
-            </a:pathLst>
-          </a:custGeom>
-          <a:noFill/>
-          <a:ln w="12700" cap="flat" cmpd="sng">
-            <a:solidFill>
-              <a:srgbClr val="000000"/>
-            </a:solidFill>
-            <a:prstDash val="solid"/>
-            <a:round/>
-            <a:headEnd type="none" w="sm" len="sm"/>
-            <a:tailEnd type="none" w="sm" len="sm"/>
-          </a:ln>
-        </p:spPr>
-      </p:sp>
-    </p:spTree>
-    <p:extLst>
-      <p:ext uri="{BB962C8B-B14F-4D97-AF65-F5344CB8AC3E}">
-        <p14:creationId xmlns:p14="http://schemas.microsoft.com/office/powerpoint/2010/main" val="1483216739"/>
-      </p:ext>
-    </p:extLst>
-  </p:cSld>
-  <p:clrMapOvr>
-    <a:masterClrMapping/>
-  </p:clrMapOvr>
-</p:notes>
-</file>
-
-<file path=ppt/notesSlides/notesSlide12.xml><?xml version="1.0" encoding="utf-8"?>
 <p:notes xmlns:a="http://schemas.openxmlformats.org/drawingml/2006/main" xmlns:r="http://schemas.openxmlformats.org/officeDocument/2006/relationships" xmlns:p="http://schemas.openxmlformats.org/presentationml/2006/main" showMasterSp="0" showMasterPhAnim="0">
   <p:cSld>
     <p:spTree>
@@ -2246,7 +2118,7 @@
 </p:notes>
 </file>
 
-<file path=ppt/notesSlides/notesSlide13.xml><?xml version="1.0" encoding="utf-8"?>
+<file path=ppt/notesSlides/notesSlide12.xml><?xml version="1.0" encoding="utf-8"?>
 <p:notes xmlns:a="http://schemas.openxmlformats.org/drawingml/2006/main" xmlns:r="http://schemas.openxmlformats.org/officeDocument/2006/relationships" xmlns:p="http://schemas.openxmlformats.org/presentationml/2006/main" showMasterSp="0" showMasterPhAnim="0">
   <p:cSld>
     <p:spTree>
@@ -2373,7 +2245,7 @@
 </p:notes>
 </file>
 
-<file path=ppt/notesSlides/notesSlide14.xml><?xml version="1.0" encoding="utf-8"?>
+<file path=ppt/notesSlides/notesSlide13.xml><?xml version="1.0" encoding="utf-8"?>
 <p:notes xmlns:a="http://schemas.openxmlformats.org/drawingml/2006/main" xmlns:r="http://schemas.openxmlformats.org/officeDocument/2006/relationships" xmlns:p="http://schemas.openxmlformats.org/presentationml/2006/main" showMasterSp="0" showMasterPhAnim="0">
   <p:cSld>
     <p:spTree>
@@ -2500,7 +2372,7 @@
 </p:notes>
 </file>
 
-<file path=ppt/notesSlides/notesSlide15.xml><?xml version="1.0" encoding="utf-8"?>
+<file path=ppt/notesSlides/notesSlide14.xml><?xml version="1.0" encoding="utf-8"?>
 <p:notes xmlns:a="http://schemas.openxmlformats.org/drawingml/2006/main" xmlns:r="http://schemas.openxmlformats.org/officeDocument/2006/relationships" xmlns:p="http://schemas.openxmlformats.org/presentationml/2006/main" showMasterSp="0" showMasterPhAnim="0">
   <p:cSld>
     <p:spTree>
@@ -2749,133 +2621,6 @@
   <p:cSld>
     <p:spTree>
       <p:nvGrpSpPr>
-        <p:cNvPr id="1" name="Shape 47"/>
-        <p:cNvGrpSpPr/>
-        <p:nvPr/>
-      </p:nvGrpSpPr>
-      <p:grpSpPr>
-        <a:xfrm>
-          <a:off x="0" y="0"/>
-          <a:ext cx="0" cy="0"/>
-          <a:chOff x="0" y="0"/>
-          <a:chExt cx="0" cy="0"/>
-        </a:xfrm>
-      </p:grpSpPr>
-      <p:sp>
-        <p:nvSpPr>
-          <p:cNvPr id="48" name="Google Shape;48;g11a469186e2_0_0:notes"/>
-          <p:cNvSpPr txBox="1">
-            <a:spLocks noGrp="1"/>
-          </p:cNvSpPr>
-          <p:nvPr>
-            <p:ph type="body" idx="1"/>
-          </p:nvPr>
-        </p:nvSpPr>
-        <p:spPr>
-          <a:xfrm>
-            <a:off x="685800" y="4343400"/>
-            <a:ext cx="5486400" cy="4114800"/>
-          </a:xfrm>
-          <a:prstGeom prst="rect">
-            <a:avLst/>
-          </a:prstGeom>
-          <a:noFill/>
-          <a:ln>
-            <a:noFill/>
-          </a:ln>
-        </p:spPr>
-        <p:txBody>
-          <a:bodyPr spcFirstLastPara="1" wrap="square" lIns="91425" tIns="45700" rIns="91425" bIns="45700" anchor="t" anchorCtr="0">
-            <a:noAutofit/>
-          </a:bodyPr>
-          <a:lstStyle/>
-          <a:p>
-            <a:pPr marL="0" lvl="0" indent="0" algn="l" rtl="0">
-              <a:lnSpc>
-                <a:spcPct val="100000"/>
-              </a:lnSpc>
-              <a:spcBef>
-                <a:spcPts val="0"/>
-              </a:spcBef>
-              <a:spcAft>
-                <a:spcPts val="0"/>
-              </a:spcAft>
-              <a:buSzPts val="1400"/>
-              <a:buNone/>
-            </a:pPr>
-            <a:endParaRPr/>
-          </a:p>
-        </p:txBody>
-      </p:sp>
-      <p:sp>
-        <p:nvSpPr>
-          <p:cNvPr id="49" name="Google Shape;49;g11a469186e2_0_0:notes"/>
-          <p:cNvSpPr>
-            <a:spLocks noGrp="1" noRot="1" noChangeAspect="1"/>
-          </p:cNvSpPr>
-          <p:nvPr>
-            <p:ph type="sldImg" idx="2"/>
-          </p:nvPr>
-        </p:nvSpPr>
-        <p:spPr>
-          <a:xfrm>
-            <a:off x="1143000" y="685800"/>
-            <a:ext cx="4572000" cy="3429000"/>
-          </a:xfrm>
-          <a:custGeom>
-            <a:avLst/>
-            <a:gdLst/>
-            <a:ahLst/>
-            <a:cxnLst/>
-            <a:rect l="l" t="t" r="r" b="b"/>
-            <a:pathLst>
-              <a:path w="120000" h="120000" extrusionOk="0">
-                <a:moveTo>
-                  <a:pt x="0" y="0"/>
-                </a:moveTo>
-                <a:lnTo>
-                  <a:pt x="120000" y="0"/>
-                </a:lnTo>
-                <a:lnTo>
-                  <a:pt x="120000" y="120000"/>
-                </a:lnTo>
-                <a:lnTo>
-                  <a:pt x="0" y="120000"/>
-                </a:lnTo>
-                <a:close/>
-              </a:path>
-            </a:pathLst>
-          </a:custGeom>
-          <a:noFill/>
-          <a:ln w="12700" cap="flat" cmpd="sng">
-            <a:solidFill>
-              <a:srgbClr val="000000"/>
-            </a:solidFill>
-            <a:prstDash val="solid"/>
-            <a:round/>
-            <a:headEnd type="none" w="sm" len="sm"/>
-            <a:tailEnd type="none" w="sm" len="sm"/>
-          </a:ln>
-        </p:spPr>
-      </p:sp>
-    </p:spTree>
-    <p:extLst>
-      <p:ext uri="{BB962C8B-B14F-4D97-AF65-F5344CB8AC3E}">
-        <p14:creationId xmlns:p14="http://schemas.microsoft.com/office/powerpoint/2010/main" val="3980907272"/>
-      </p:ext>
-    </p:extLst>
-  </p:cSld>
-  <p:clrMapOvr>
-    <a:masterClrMapping/>
-  </p:clrMapOvr>
-</p:notes>
-</file>
-
-<file path=ppt/notesSlides/notesSlide4.xml><?xml version="1.0" encoding="utf-8"?>
-<p:notes xmlns:a="http://schemas.openxmlformats.org/drawingml/2006/main" xmlns:r="http://schemas.openxmlformats.org/officeDocument/2006/relationships" xmlns:p="http://schemas.openxmlformats.org/presentationml/2006/main" showMasterSp="0" showMasterPhAnim="0">
-  <p:cSld>
-    <p:spTree>
-      <p:nvGrpSpPr>
         <p:cNvPr id="1" name="Shape 160"/>
         <p:cNvGrpSpPr/>
         <p:nvPr/>
@@ -2998,7 +2743,7 @@
 </p:notes>
 </file>
 
-<file path=ppt/notesSlides/notesSlide5.xml><?xml version="1.0" encoding="utf-8"?>
+<file path=ppt/notesSlides/notesSlide4.xml><?xml version="1.0" encoding="utf-8"?>
 <p:notes xmlns:a="http://schemas.openxmlformats.org/drawingml/2006/main" xmlns:r="http://schemas.openxmlformats.org/officeDocument/2006/relationships" xmlns:p="http://schemas.openxmlformats.org/presentationml/2006/main" showMasterSp="0" showMasterPhAnim="0">
   <p:cSld>
     <p:spTree>
@@ -3125,7 +2870,7 @@
 </p:notes>
 </file>
 
-<file path=ppt/notesSlides/notesSlide6.xml><?xml version="1.0" encoding="utf-8"?>
+<file path=ppt/notesSlides/notesSlide5.xml><?xml version="1.0" encoding="utf-8"?>
 <p:notes xmlns:a="http://schemas.openxmlformats.org/drawingml/2006/main" xmlns:r="http://schemas.openxmlformats.org/officeDocument/2006/relationships" xmlns:p="http://schemas.openxmlformats.org/presentationml/2006/main" showMasterSp="0" showMasterPhAnim="0">
   <p:cSld>
     <p:spTree>
@@ -3252,7 +2997,7 @@
 </p:notes>
 </file>
 
-<file path=ppt/notesSlides/notesSlide7.xml><?xml version="1.0" encoding="utf-8"?>
+<file path=ppt/notesSlides/notesSlide6.xml><?xml version="1.0" encoding="utf-8"?>
 <p:notes xmlns:a="http://schemas.openxmlformats.org/drawingml/2006/main" xmlns:r="http://schemas.openxmlformats.org/officeDocument/2006/relationships" xmlns:p="http://schemas.openxmlformats.org/presentationml/2006/main" showMasterSp="0" showMasterPhAnim="0">
   <p:cSld>
     <p:spTree>
@@ -3379,7 +3124,7 @@
 </p:notes>
 </file>
 
-<file path=ppt/notesSlides/notesSlide8.xml><?xml version="1.0" encoding="utf-8"?>
+<file path=ppt/notesSlides/notesSlide7.xml><?xml version="1.0" encoding="utf-8"?>
 <p:notes xmlns:a="http://schemas.openxmlformats.org/drawingml/2006/main" xmlns:r="http://schemas.openxmlformats.org/officeDocument/2006/relationships" xmlns:p="http://schemas.openxmlformats.org/presentationml/2006/main" showMasterSp="0" showMasterPhAnim="0">
   <p:cSld>
     <p:spTree>
@@ -3506,7 +3251,7 @@
 </p:notes>
 </file>
 
-<file path=ppt/notesSlides/notesSlide9.xml><?xml version="1.0" encoding="utf-8"?>
+<file path=ppt/notesSlides/notesSlide8.xml><?xml version="1.0" encoding="utf-8"?>
 <p:notes xmlns:a="http://schemas.openxmlformats.org/drawingml/2006/main" xmlns:r="http://schemas.openxmlformats.org/officeDocument/2006/relationships" xmlns:p="http://schemas.openxmlformats.org/presentationml/2006/main" showMasterSp="0" showMasterPhAnim="0">
   <p:cSld>
     <p:spTree>
@@ -3624,6 +3369,133 @@
     <p:extLst>
       <p:ext uri="{BB962C8B-B14F-4D97-AF65-F5344CB8AC3E}">
         <p14:creationId xmlns:p14="http://schemas.microsoft.com/office/powerpoint/2010/main" val="6044257"/>
+      </p:ext>
+    </p:extLst>
+  </p:cSld>
+  <p:clrMapOvr>
+    <a:masterClrMapping/>
+  </p:clrMapOvr>
+</p:notes>
+</file>
+
+<file path=ppt/notesSlides/notesSlide9.xml><?xml version="1.0" encoding="utf-8"?>
+<p:notes xmlns:a="http://schemas.openxmlformats.org/drawingml/2006/main" xmlns:r="http://schemas.openxmlformats.org/officeDocument/2006/relationships" xmlns:p="http://schemas.openxmlformats.org/presentationml/2006/main" showMasterSp="0" showMasterPhAnim="0">
+  <p:cSld>
+    <p:spTree>
+      <p:nvGrpSpPr>
+        <p:cNvPr id="1" name="Shape 47"/>
+        <p:cNvGrpSpPr/>
+        <p:nvPr/>
+      </p:nvGrpSpPr>
+      <p:grpSpPr>
+        <a:xfrm>
+          <a:off x="0" y="0"/>
+          <a:ext cx="0" cy="0"/>
+          <a:chOff x="0" y="0"/>
+          <a:chExt cx="0" cy="0"/>
+        </a:xfrm>
+      </p:grpSpPr>
+      <p:sp>
+        <p:nvSpPr>
+          <p:cNvPr id="48" name="Google Shape;48;g11a469186e2_0_0:notes"/>
+          <p:cNvSpPr txBox="1">
+            <a:spLocks noGrp="1"/>
+          </p:cNvSpPr>
+          <p:nvPr>
+            <p:ph type="body" idx="1"/>
+          </p:nvPr>
+        </p:nvSpPr>
+        <p:spPr>
+          <a:xfrm>
+            <a:off x="685800" y="4343400"/>
+            <a:ext cx="5486400" cy="4114800"/>
+          </a:xfrm>
+          <a:prstGeom prst="rect">
+            <a:avLst/>
+          </a:prstGeom>
+          <a:noFill/>
+          <a:ln>
+            <a:noFill/>
+          </a:ln>
+        </p:spPr>
+        <p:txBody>
+          <a:bodyPr spcFirstLastPara="1" wrap="square" lIns="91425" tIns="45700" rIns="91425" bIns="45700" anchor="t" anchorCtr="0">
+            <a:noAutofit/>
+          </a:bodyPr>
+          <a:lstStyle/>
+          <a:p>
+            <a:pPr marL="0" lvl="0" indent="0" algn="l" rtl="0">
+              <a:lnSpc>
+                <a:spcPct val="100000"/>
+              </a:lnSpc>
+              <a:spcBef>
+                <a:spcPts val="0"/>
+              </a:spcBef>
+              <a:spcAft>
+                <a:spcPts val="0"/>
+              </a:spcAft>
+              <a:buSzPts val="1400"/>
+              <a:buNone/>
+            </a:pPr>
+            <a:endParaRPr/>
+          </a:p>
+        </p:txBody>
+      </p:sp>
+      <p:sp>
+        <p:nvSpPr>
+          <p:cNvPr id="49" name="Google Shape;49;g11a469186e2_0_0:notes"/>
+          <p:cNvSpPr>
+            <a:spLocks noGrp="1" noRot="1" noChangeAspect="1"/>
+          </p:cNvSpPr>
+          <p:nvPr>
+            <p:ph type="sldImg" idx="2"/>
+          </p:nvPr>
+        </p:nvSpPr>
+        <p:spPr>
+          <a:xfrm>
+            <a:off x="1143000" y="685800"/>
+            <a:ext cx="4572000" cy="3429000"/>
+          </a:xfrm>
+          <a:custGeom>
+            <a:avLst/>
+            <a:gdLst/>
+            <a:ahLst/>
+            <a:cxnLst/>
+            <a:rect l="l" t="t" r="r" b="b"/>
+            <a:pathLst>
+              <a:path w="120000" h="120000" extrusionOk="0">
+                <a:moveTo>
+                  <a:pt x="0" y="0"/>
+                </a:moveTo>
+                <a:lnTo>
+                  <a:pt x="120000" y="0"/>
+                </a:lnTo>
+                <a:lnTo>
+                  <a:pt x="120000" y="120000"/>
+                </a:lnTo>
+                <a:lnTo>
+                  <a:pt x="0" y="120000"/>
+                </a:lnTo>
+                <a:close/>
+              </a:path>
+            </a:pathLst>
+          </a:custGeom>
+          <a:noFill/>
+          <a:ln w="12700" cap="flat" cmpd="sng">
+            <a:solidFill>
+              <a:srgbClr val="000000"/>
+            </a:solidFill>
+            <a:prstDash val="solid"/>
+            <a:round/>
+            <a:headEnd type="none" w="sm" len="sm"/>
+            <a:tailEnd type="none" w="sm" len="sm"/>
+          </a:ln>
+        </p:spPr>
+      </p:sp>
+    </p:spTree>
+    <p:extLst>
+      <p:ext uri="{BB962C8B-B14F-4D97-AF65-F5344CB8AC3E}">
+        <p14:creationId xmlns:p14="http://schemas.microsoft.com/office/powerpoint/2010/main" val="496863171"/>
       </p:ext>
     </p:extLst>
   </p:cSld>
@@ -7849,7 +7721,7 @@
             </a:pPr>
             <a:r>
               <a:rPr lang="pt-PT" dirty="0" err="1"/>
-              <a:t>High</a:t>
+              <a:t>Band</a:t>
             </a:r>
             <a:r>
               <a:rPr lang="pt-PT" dirty="0"/>
@@ -7913,225 +7785,6 @@
             <a:fld id="{00000000-1234-1234-1234-123412341234}" type="slidenum">
               <a:rPr lang="pt-PT"/>
               <a:t>10</a:t>
-            </a:fld>
-            <a:endParaRPr/>
-          </a:p>
-        </p:txBody>
-      </p:sp>
-      <p:pic>
-        <p:nvPicPr>
-          <p:cNvPr id="5" name="Picture 4" descr="A picture containing histogram&#10;&#10;Description automatically generated">
-            <a:extLst>
-              <a:ext uri="{FF2B5EF4-FFF2-40B4-BE49-F238E27FC236}">
-                <a16:creationId xmlns:a16="http://schemas.microsoft.com/office/drawing/2014/main" id="{C7929E25-95E8-48C4-9289-5930D623B061}"/>
-              </a:ext>
-            </a:extLst>
-          </p:cNvPr>
-          <p:cNvPicPr>
-            <a:picLocks noChangeAspect="1"/>
-          </p:cNvPicPr>
-          <p:nvPr/>
-        </p:nvPicPr>
-        <p:blipFill rotWithShape="1">
-          <a:blip r:embed="rId3"/>
-          <a:srcRect l="8779" r="8134"/>
-          <a:stretch/>
-        </p:blipFill>
-        <p:spPr>
-          <a:xfrm>
-            <a:off x="1121664" y="1722831"/>
-            <a:ext cx="8022336" cy="4802513"/>
-          </a:xfrm>
-          <a:prstGeom prst="rect">
-            <a:avLst/>
-          </a:prstGeom>
-        </p:spPr>
-      </p:pic>
-    </p:spTree>
-    <p:extLst>
-      <p:ext uri="{BB962C8B-B14F-4D97-AF65-F5344CB8AC3E}">
-        <p14:creationId xmlns:p14="http://schemas.microsoft.com/office/powerpoint/2010/main" val="2096078855"/>
-      </p:ext>
-    </p:extLst>
-  </p:cSld>
-  <p:clrMapOvr>
-    <a:masterClrMapping/>
-  </p:clrMapOvr>
-</p:sld>
-</file>
-
-<file path=ppt/slides/slide11.xml><?xml version="1.0" encoding="utf-8"?>
-<p:sld xmlns:a="http://schemas.openxmlformats.org/drawingml/2006/main" xmlns:r="http://schemas.openxmlformats.org/officeDocument/2006/relationships" xmlns:p="http://schemas.openxmlformats.org/presentationml/2006/main">
-  <p:cSld>
-    <p:spTree>
-      <p:nvGrpSpPr>
-        <p:cNvPr id="1" name="Shape 50"/>
-        <p:cNvGrpSpPr/>
-        <p:nvPr/>
-      </p:nvGrpSpPr>
-      <p:grpSpPr>
-        <a:xfrm>
-          <a:off x="0" y="0"/>
-          <a:ext cx="0" cy="0"/>
-          <a:chOff x="0" y="0"/>
-          <a:chExt cx="0" cy="0"/>
-        </a:xfrm>
-      </p:grpSpPr>
-      <p:sp>
-        <p:nvSpPr>
-          <p:cNvPr id="51" name="Google Shape;51;p7"/>
-          <p:cNvSpPr txBox="1">
-            <a:spLocks noGrp="1"/>
-          </p:cNvSpPr>
-          <p:nvPr>
-            <p:ph type="body" idx="1"/>
-          </p:nvPr>
-        </p:nvSpPr>
-        <p:spPr>
-          <a:xfrm>
-            <a:off x="1295128" y="1340768"/>
-            <a:ext cx="7597500" cy="5184600"/>
-          </a:xfrm>
-          <a:prstGeom prst="rect">
-            <a:avLst/>
-          </a:prstGeom>
-          <a:noFill/>
-          <a:ln>
-            <a:noFill/>
-          </a:ln>
-        </p:spPr>
-        <p:txBody>
-          <a:bodyPr spcFirstLastPara="1" wrap="square" lIns="91425" tIns="45700" rIns="91425" bIns="45700" anchor="t" anchorCtr="0">
-            <a:normAutofit/>
-          </a:bodyPr>
-          <a:lstStyle/>
-          <a:p>
-            <a:pPr marL="457200" lvl="0" indent="-393700" algn="l" rtl="0">
-              <a:spcBef>
-                <a:spcPts val="0"/>
-              </a:spcBef>
-              <a:spcAft>
-                <a:spcPts val="0"/>
-              </a:spcAft>
-              <a:buSzPts val="2600"/>
-              <a:buChar char="•"/>
-            </a:pPr>
-            <a:endParaRPr sz="2200" dirty="0"/>
-          </a:p>
-        </p:txBody>
-      </p:sp>
-      <p:sp>
-        <p:nvSpPr>
-          <p:cNvPr id="52" name="Google Shape;52;p7"/>
-          <p:cNvSpPr txBox="1">
-            <a:spLocks noGrp="1"/>
-          </p:cNvSpPr>
-          <p:nvPr>
-            <p:ph type="title"/>
-          </p:nvPr>
-        </p:nvSpPr>
-        <p:spPr>
-          <a:xfrm>
-            <a:off x="2483768" y="1"/>
-            <a:ext cx="4680600" cy="1196700"/>
-          </a:xfrm>
-          <a:prstGeom prst="rect">
-            <a:avLst/>
-          </a:prstGeom>
-          <a:noFill/>
-          <a:ln>
-            <a:noFill/>
-          </a:ln>
-        </p:spPr>
-        <p:txBody>
-          <a:bodyPr spcFirstLastPara="1" wrap="square" lIns="91425" tIns="45700" rIns="91425" bIns="45700" anchor="ctr" anchorCtr="0">
-            <a:normAutofit/>
-          </a:bodyPr>
-          <a:lstStyle/>
-          <a:p>
-            <a:pPr marL="0" lvl="0" indent="0" algn="ctr" rtl="0">
-              <a:lnSpc>
-                <a:spcPct val="100000"/>
-              </a:lnSpc>
-              <a:spcBef>
-                <a:spcPts val="0"/>
-              </a:spcBef>
-              <a:spcAft>
-                <a:spcPts val="0"/>
-              </a:spcAft>
-              <a:buClr>
-                <a:srgbClr val="373E48"/>
-              </a:buClr>
-              <a:buSzPts val="3600"/>
-              <a:buFont typeface="Corbel"/>
-              <a:buNone/>
-            </a:pPr>
-            <a:r>
-              <a:rPr lang="pt-PT" dirty="0" err="1"/>
-              <a:t>Band</a:t>
-            </a:r>
-            <a:r>
-              <a:rPr lang="pt-PT" dirty="0"/>
-              <a:t> </a:t>
-            </a:r>
-            <a:r>
-              <a:rPr lang="pt-PT" dirty="0" err="1"/>
-              <a:t>Pass</a:t>
-            </a:r>
-            <a:r>
-              <a:rPr lang="pt-PT" dirty="0"/>
-              <a:t> </a:t>
-            </a:r>
-            <a:r>
-              <a:rPr lang="pt-PT" dirty="0" err="1"/>
-              <a:t>Filter</a:t>
-            </a:r>
-            <a:endParaRPr dirty="0"/>
-          </a:p>
-        </p:txBody>
-      </p:sp>
-      <p:sp>
-        <p:nvSpPr>
-          <p:cNvPr id="53" name="Google Shape;53;p7"/>
-          <p:cNvSpPr txBox="1">
-            <a:spLocks noGrp="1"/>
-          </p:cNvSpPr>
-          <p:nvPr>
-            <p:ph type="sldNum" idx="12"/>
-          </p:nvPr>
-        </p:nvSpPr>
-        <p:spPr>
-          <a:xfrm>
-            <a:off x="7010400" y="6525344"/>
-            <a:ext cx="2133600" cy="332700"/>
-          </a:xfrm>
-          <a:prstGeom prst="rect">
-            <a:avLst/>
-          </a:prstGeom>
-        </p:spPr>
-        <p:txBody>
-          <a:bodyPr spcFirstLastPara="1" wrap="square" lIns="91425" tIns="45700" rIns="91425" bIns="45700" anchor="t" anchorCtr="0">
-            <a:noAutofit/>
-          </a:bodyPr>
-          <a:lstStyle/>
-          <a:p>
-            <a:pPr marL="0" lvl="0" indent="0" algn="r" rtl="0">
-              <a:spcBef>
-                <a:spcPts val="0"/>
-              </a:spcBef>
-              <a:spcAft>
-                <a:spcPts val="0"/>
-              </a:spcAft>
-              <a:buClr>
-                <a:srgbClr val="000000"/>
-              </a:buClr>
-              <a:buSzPts val="1800"/>
-              <a:buFont typeface="Arial"/>
-              <a:buNone/>
-            </a:pPr>
-            <a:fld id="{00000000-1234-1234-1234-123412341234}" type="slidenum">
-              <a:rPr lang="pt-PT"/>
-              <a:t>11</a:t>
             </a:fld>
             <a:endParaRPr/>
           </a:p>
@@ -8179,7 +7832,7 @@
 </p:sld>
 </file>
 
-<file path=ppt/slides/slide12.xml><?xml version="1.0" encoding="utf-8"?>
+<file path=ppt/slides/slide11.xml><?xml version="1.0" encoding="utf-8"?>
 <p:sld xmlns:a="http://schemas.openxmlformats.org/drawingml/2006/main" xmlns:r="http://schemas.openxmlformats.org/officeDocument/2006/relationships" xmlns:p="http://schemas.openxmlformats.org/presentationml/2006/main">
   <p:cSld>
     <p:spTree>
@@ -8866,7 +8519,7 @@
             </a:pPr>
             <a:fld id="{00000000-1234-1234-1234-123412341234}" type="slidenum">
               <a:rPr lang="pt-PT"/>
-              <a:t>12</a:t>
+              <a:t>11</a:t>
             </a:fld>
             <a:endParaRPr/>
           </a:p>
@@ -9059,7 +8712,7 @@
 </p:sld>
 </file>
 
-<file path=ppt/slides/slide13.xml><?xml version="1.0" encoding="utf-8"?>
+<file path=ppt/slides/slide12.xml><?xml version="1.0" encoding="utf-8"?>
 <p:sld xmlns:a="http://schemas.openxmlformats.org/drawingml/2006/main" xmlns:r="http://schemas.openxmlformats.org/officeDocument/2006/relationships" xmlns:p="http://schemas.openxmlformats.org/presentationml/2006/main">
   <p:cSld>
     <p:spTree>
@@ -9222,7 +8875,7 @@
             </a:pPr>
             <a:fld id="{00000000-1234-1234-1234-123412341234}" type="slidenum">
               <a:rPr lang="pt-PT"/>
-              <a:t>13</a:t>
+              <a:t>12</a:t>
             </a:fld>
             <a:endParaRPr/>
           </a:p>
@@ -9271,7 +8924,7 @@
 </p:sld>
 </file>
 
-<file path=ppt/slides/slide14.xml><?xml version="1.0" encoding="utf-8"?>
+<file path=ppt/slides/slide13.xml><?xml version="1.0" encoding="utf-8"?>
 <p:sld xmlns:a="http://schemas.openxmlformats.org/drawingml/2006/main" xmlns:r="http://schemas.openxmlformats.org/officeDocument/2006/relationships" xmlns:p="http://schemas.openxmlformats.org/presentationml/2006/main">
   <p:cSld>
     <p:spTree>
@@ -9731,7 +9384,7 @@
             </a:pPr>
             <a:fld id="{00000000-1234-1234-1234-123412341234}" type="slidenum">
               <a:rPr lang="pt-PT"/>
-              <a:t>14</a:t>
+              <a:t>13</a:t>
             </a:fld>
             <a:endParaRPr/>
           </a:p>
@@ -10123,7 +9776,7 @@
 </p:sld>
 </file>
 
-<file path=ppt/slides/slide15.xml><?xml version="1.0" encoding="utf-8"?>
+<file path=ppt/slides/slide14.xml><?xml version="1.0" encoding="utf-8"?>
 <p:sld xmlns:a="http://schemas.openxmlformats.org/drawingml/2006/main" xmlns:r="http://schemas.openxmlformats.org/officeDocument/2006/relationships" xmlns:p="http://schemas.openxmlformats.org/presentationml/2006/main">
   <p:cSld>
     <p:spTree>
@@ -10231,7 +9884,7 @@
             </a:pPr>
             <a:fld id="{00000000-1234-1234-1234-123412341234}" type="slidenum">
               <a:rPr lang="pt-PT"/>
-              <a:t>15</a:t>
+              <a:t>14</a:t>
             </a:fld>
             <a:endParaRPr/>
           </a:p>
@@ -10338,7 +9991,21 @@
               <a:rPr lang="en-US" sz="2200" dirty="0"/>
               <a:t>)</a:t>
             </a:r>
-            <a:endParaRPr lang="en-US" sz="2200" b="1" dirty="0"/>
+          </a:p>
+          <a:p>
+            <a:pPr lvl="1" indent="-393700">
+              <a:buSzPts val="2600"/>
+              <a:buFont typeface="Arial" panose="020B0604020202020204" pitchFamily="34" charset="0"/>
+              <a:buChar char="•"/>
+            </a:pPr>
+            <a:r>
+              <a:rPr lang="en-US" sz="1800" b="1" dirty="0"/>
+              <a:t>Trade-off </a:t>
+            </a:r>
+            <a:r>
+              <a:rPr lang="en-US" sz="1800" dirty="0"/>
+              <a:t>between main lobe width and secondary lobe attenuation</a:t>
+            </a:r>
           </a:p>
           <a:p>
             <a:pPr lvl="1" indent="-393700">
@@ -10374,12 +10041,8 @@
               <a:t> and the </a:t>
             </a:r>
             <a:r>
-              <a:rPr lang="en-US" sz="1800" b="1" dirty="0" err="1"/>
-              <a:t>mainlobe</a:t>
-            </a:r>
-            <a:r>
               <a:rPr lang="en-US" sz="1800" b="1" dirty="0"/>
-              <a:t> width increases</a:t>
+              <a:t>main lobe width increases</a:t>
             </a:r>
           </a:p>
           <a:p>
@@ -10548,7 +10211,7 @@
         </p:blipFill>
         <p:spPr>
           <a:xfrm>
-            <a:off x="2525721" y="2683642"/>
+            <a:off x="2525721" y="2966852"/>
             <a:ext cx="4596694" cy="3697635"/>
           </a:xfrm>
           <a:prstGeom prst="rect">
@@ -10565,6 +10228,141 @@
 </file>
 
 <file path=ppt/slides/slide3.xml><?xml version="1.0" encoding="utf-8"?>
+<p:sld xmlns:a="http://schemas.openxmlformats.org/drawingml/2006/main" xmlns:r="http://schemas.openxmlformats.org/officeDocument/2006/relationships" xmlns:p="http://schemas.openxmlformats.org/presentationml/2006/main">
+  <p:cSld>
+    <p:spTree>
+      <p:nvGrpSpPr>
+        <p:cNvPr id="1" name="Shape 163"/>
+        <p:cNvGrpSpPr/>
+        <p:nvPr/>
+      </p:nvGrpSpPr>
+      <p:grpSpPr>
+        <a:xfrm>
+          <a:off x="0" y="0"/>
+          <a:ext cx="0" cy="0"/>
+          <a:chOff x="0" y="0"/>
+          <a:chExt cx="0" cy="0"/>
+        </a:xfrm>
+      </p:grpSpPr>
+      <p:sp>
+        <p:nvSpPr>
+          <p:cNvPr id="164" name="Google Shape;164;p19"/>
+          <p:cNvSpPr txBox="1">
+            <a:spLocks noGrp="1"/>
+          </p:cNvSpPr>
+          <p:nvPr>
+            <p:ph type="title"/>
+          </p:nvPr>
+        </p:nvSpPr>
+        <p:spPr>
+          <a:xfrm>
+            <a:off x="1109472" y="3392055"/>
+            <a:ext cx="6864096" cy="1196700"/>
+          </a:xfrm>
+          <a:prstGeom prst="rect">
+            <a:avLst/>
+          </a:prstGeom>
+          <a:noFill/>
+          <a:ln>
+            <a:noFill/>
+          </a:ln>
+        </p:spPr>
+        <p:txBody>
+          <a:bodyPr spcFirstLastPara="1" wrap="square" lIns="91425" tIns="45700" rIns="91425" bIns="45700" anchor="ctr" anchorCtr="0">
+            <a:normAutofit/>
+          </a:bodyPr>
+          <a:lstStyle/>
+          <a:p>
+            <a:pPr marL="0" lvl="0" indent="0" rtl="0">
+              <a:lnSpc>
+                <a:spcPct val="100000"/>
+              </a:lnSpc>
+              <a:spcBef>
+                <a:spcPts val="0"/>
+              </a:spcBef>
+              <a:spcAft>
+                <a:spcPts val="0"/>
+              </a:spcAft>
+              <a:buSzPts val="1800"/>
+              <a:buNone/>
+            </a:pPr>
+            <a:r>
+              <a:rPr lang="pt-PT" sz="3200" dirty="0" err="1"/>
+              <a:t>Fixed-Point</a:t>
+            </a:r>
+            <a:r>
+              <a:rPr lang="pt-PT" sz="3200" dirty="0"/>
+              <a:t> </a:t>
+            </a:r>
+            <a:r>
+              <a:rPr lang="pt-PT" sz="3200" dirty="0" err="1"/>
+              <a:t>Arithmetics</a:t>
+            </a:r>
+            <a:endParaRPr sz="3200" dirty="0"/>
+          </a:p>
+        </p:txBody>
+      </p:sp>
+      <p:sp>
+        <p:nvSpPr>
+          <p:cNvPr id="165" name="Google Shape;165;p19"/>
+          <p:cNvSpPr txBox="1">
+            <a:spLocks noGrp="1"/>
+          </p:cNvSpPr>
+          <p:nvPr>
+            <p:ph type="sldNum" idx="12"/>
+          </p:nvPr>
+        </p:nvSpPr>
+        <p:spPr>
+          <a:xfrm>
+            <a:off x="7010400" y="6525344"/>
+            <a:ext cx="2133600" cy="332700"/>
+          </a:xfrm>
+          <a:prstGeom prst="rect">
+            <a:avLst/>
+          </a:prstGeom>
+        </p:spPr>
+        <p:txBody>
+          <a:bodyPr spcFirstLastPara="1" wrap="square" lIns="91425" tIns="45700" rIns="91425" bIns="45700" anchor="t" anchorCtr="0">
+            <a:noAutofit/>
+          </a:bodyPr>
+          <a:lstStyle/>
+          <a:p>
+            <a:pPr marL="0" lvl="0" indent="0" algn="r" rtl="0">
+              <a:spcBef>
+                <a:spcPts val="0"/>
+              </a:spcBef>
+              <a:spcAft>
+                <a:spcPts val="0"/>
+              </a:spcAft>
+              <a:buClr>
+                <a:srgbClr val="000000"/>
+              </a:buClr>
+              <a:buSzPts val="1800"/>
+              <a:buFont typeface="Arial"/>
+              <a:buNone/>
+            </a:pPr>
+            <a:fld id="{00000000-1234-1234-1234-123412341234}" type="slidenum">
+              <a:rPr lang="pt-PT"/>
+              <a:t>3</a:t>
+            </a:fld>
+            <a:endParaRPr/>
+          </a:p>
+        </p:txBody>
+      </p:sp>
+    </p:spTree>
+    <p:extLst>
+      <p:ext uri="{BB962C8B-B14F-4D97-AF65-F5344CB8AC3E}">
+        <p14:creationId xmlns:p14="http://schemas.microsoft.com/office/powerpoint/2010/main" val="398297854"/>
+      </p:ext>
+    </p:extLst>
+  </p:cSld>
+  <p:clrMapOvr>
+    <a:masterClrMapping/>
+  </p:clrMapOvr>
+</p:sld>
+</file>
+
+<file path=ppt/slides/slide4.xml><?xml version="1.0" encoding="utf-8"?>
 <p:sld xmlns:a="http://schemas.openxmlformats.org/drawingml/2006/main" xmlns:r="http://schemas.openxmlformats.org/officeDocument/2006/relationships" xmlns:p="http://schemas.openxmlformats.org/presentationml/2006/main">
   <p:cSld>
     <p:spTree>
@@ -10610,55 +10408,25 @@
           </a:bodyPr>
           <a:lstStyle/>
           <a:p>
-            <a:pPr marL="457200" lvl="0" indent="-393700" algn="l" rtl="0">
-              <a:spcBef>
-                <a:spcPts val="0"/>
-              </a:spcBef>
-              <a:spcAft>
-                <a:spcPts val="0"/>
-              </a:spcAft>
-              <a:buSzPts val="2600"/>
-              <a:buChar char="•"/>
-            </a:pPr>
-            <a:r>
-              <a:rPr lang="pt-PT" sz="2600" dirty="0" err="1"/>
-              <a:t>Rectangular</a:t>
-            </a:r>
-            <a:endParaRPr lang="pt-PT" sz="2600" dirty="0"/>
-          </a:p>
-          <a:p>
-            <a:pPr marL="457200" lvl="0" indent="-393700" algn="l" rtl="0">
-              <a:spcBef>
-                <a:spcPts val="0"/>
-              </a:spcBef>
-              <a:spcAft>
-                <a:spcPts val="0"/>
-              </a:spcAft>
-              <a:buSzPts val="2600"/>
-              <a:buChar char="•"/>
-            </a:pPr>
-            <a:r>
-              <a:rPr lang="pt-PT" sz="2600" dirty="0" err="1"/>
-              <a:t>Hamming</a:t>
-            </a:r>
-            <a:endParaRPr lang="pt-PT" sz="2600" dirty="0"/>
-          </a:p>
-          <a:p>
-            <a:pPr marL="457200" lvl="0" indent="-393700" algn="l" rtl="0">
-              <a:spcBef>
-                <a:spcPts val="0"/>
-              </a:spcBef>
-              <a:spcAft>
-                <a:spcPts val="0"/>
-              </a:spcAft>
-              <a:buSzPts val="2600"/>
-              <a:buChar char="•"/>
-            </a:pPr>
-            <a:r>
-              <a:rPr lang="pt-PT" sz="2600" dirty="0" err="1"/>
-              <a:t>Blackman</a:t>
-            </a:r>
-            <a:endParaRPr lang="pt-PT" sz="2600" dirty="0"/>
+            <a:pPr marL="114300" indent="0">
+              <a:buNone/>
+            </a:pPr>
+            <a:br>
+              <a:rPr lang="pt-PT" sz="1600" dirty="0">
+                <a:solidFill>
+                  <a:srgbClr val="D4D4D4"/>
+                </a:solidFill>
+                <a:effectLst/>
+                <a:latin typeface="Menlo, Menlo, "/>
+              </a:rPr>
+            </a:br>
+            <a:endParaRPr lang="pt-PT" sz="1600" dirty="0">
+              <a:solidFill>
+                <a:srgbClr val="D4D4D4"/>
+              </a:solidFill>
+              <a:effectLst/>
+              <a:latin typeface="Menlo, Menlo, "/>
+            </a:endParaRPr>
           </a:p>
           <a:p>
             <a:pPr marL="457200" lvl="0" indent="-393700" algn="l" rtl="0">
@@ -10723,7 +10491,7 @@
             </a:pPr>
             <a:r>
               <a:rPr lang="pt-PT" dirty="0" err="1"/>
-              <a:t>Types</a:t>
+              <a:t>Fixed-Point</a:t>
             </a:r>
             <a:r>
               <a:rPr lang="pt-PT" dirty="0"/>
@@ -10731,15 +10499,7 @@
             </a:r>
             <a:r>
               <a:rPr lang="pt-PT" dirty="0" err="1"/>
-              <a:t>of</a:t>
-            </a:r>
-            <a:r>
-              <a:rPr lang="pt-PT" dirty="0"/>
-              <a:t> </a:t>
-            </a:r>
-            <a:r>
-              <a:rPr lang="pt-PT" dirty="0" err="1"/>
-              <a:t>windows</a:t>
+              <a:t>Arithmetic</a:t>
             </a:r>
             <a:endParaRPr dirty="0"/>
           </a:p>
@@ -10786,345 +10546,7 @@
             </a:pPr>
             <a:fld id="{00000000-1234-1234-1234-123412341234}" type="slidenum">
               <a:rPr lang="pt-PT"/>
-              <a:t>3</a:t>
-            </a:fld>
-            <a:endParaRPr/>
-          </a:p>
-        </p:txBody>
-      </p:sp>
-    </p:spTree>
-    <p:extLst>
-      <p:ext uri="{BB962C8B-B14F-4D97-AF65-F5344CB8AC3E}">
-        <p14:creationId xmlns:p14="http://schemas.microsoft.com/office/powerpoint/2010/main" val="1514510087"/>
-      </p:ext>
-    </p:extLst>
-  </p:cSld>
-  <p:clrMapOvr>
-    <a:masterClrMapping/>
-  </p:clrMapOvr>
-</p:sld>
-</file>
-
-<file path=ppt/slides/slide4.xml><?xml version="1.0" encoding="utf-8"?>
-<p:sld xmlns:a="http://schemas.openxmlformats.org/drawingml/2006/main" xmlns:r="http://schemas.openxmlformats.org/officeDocument/2006/relationships" xmlns:p="http://schemas.openxmlformats.org/presentationml/2006/main">
-  <p:cSld>
-    <p:spTree>
-      <p:nvGrpSpPr>
-        <p:cNvPr id="1" name="Shape 163"/>
-        <p:cNvGrpSpPr/>
-        <p:nvPr/>
-      </p:nvGrpSpPr>
-      <p:grpSpPr>
-        <a:xfrm>
-          <a:off x="0" y="0"/>
-          <a:ext cx="0" cy="0"/>
-          <a:chOff x="0" y="0"/>
-          <a:chExt cx="0" cy="0"/>
-        </a:xfrm>
-      </p:grpSpPr>
-      <p:sp>
-        <p:nvSpPr>
-          <p:cNvPr id="164" name="Google Shape;164;p19"/>
-          <p:cNvSpPr txBox="1">
-            <a:spLocks noGrp="1"/>
-          </p:cNvSpPr>
-          <p:nvPr>
-            <p:ph type="title"/>
-          </p:nvPr>
-        </p:nvSpPr>
-        <p:spPr>
-          <a:xfrm>
-            <a:off x="1109472" y="3392055"/>
-            <a:ext cx="6864096" cy="1196700"/>
-          </a:xfrm>
-          <a:prstGeom prst="rect">
-            <a:avLst/>
-          </a:prstGeom>
-          <a:noFill/>
-          <a:ln>
-            <a:noFill/>
-          </a:ln>
-        </p:spPr>
-        <p:txBody>
-          <a:bodyPr spcFirstLastPara="1" wrap="square" lIns="91425" tIns="45700" rIns="91425" bIns="45700" anchor="ctr" anchorCtr="0">
-            <a:normAutofit/>
-          </a:bodyPr>
-          <a:lstStyle/>
-          <a:p>
-            <a:pPr marL="0" lvl="0" indent="0" rtl="0">
-              <a:lnSpc>
-                <a:spcPct val="100000"/>
-              </a:lnSpc>
-              <a:spcBef>
-                <a:spcPts val="0"/>
-              </a:spcBef>
-              <a:spcAft>
-                <a:spcPts val="0"/>
-              </a:spcAft>
-              <a:buSzPts val="1800"/>
-              <a:buNone/>
-            </a:pPr>
-            <a:r>
-              <a:rPr lang="pt-PT" sz="3200" dirty="0" err="1"/>
-              <a:t>Fixed-Point</a:t>
-            </a:r>
-            <a:r>
-              <a:rPr lang="pt-PT" sz="3200" dirty="0"/>
-              <a:t> </a:t>
-            </a:r>
-            <a:r>
-              <a:rPr lang="pt-PT" sz="3200" dirty="0" err="1"/>
-              <a:t>Arithmetics</a:t>
-            </a:r>
-            <a:endParaRPr sz="3200" dirty="0"/>
-          </a:p>
-        </p:txBody>
-      </p:sp>
-      <p:sp>
-        <p:nvSpPr>
-          <p:cNvPr id="165" name="Google Shape;165;p19"/>
-          <p:cNvSpPr txBox="1">
-            <a:spLocks noGrp="1"/>
-          </p:cNvSpPr>
-          <p:nvPr>
-            <p:ph type="sldNum" idx="12"/>
-          </p:nvPr>
-        </p:nvSpPr>
-        <p:spPr>
-          <a:xfrm>
-            <a:off x="7010400" y="6525344"/>
-            <a:ext cx="2133600" cy="332700"/>
-          </a:xfrm>
-          <a:prstGeom prst="rect">
-            <a:avLst/>
-          </a:prstGeom>
-        </p:spPr>
-        <p:txBody>
-          <a:bodyPr spcFirstLastPara="1" wrap="square" lIns="91425" tIns="45700" rIns="91425" bIns="45700" anchor="t" anchorCtr="0">
-            <a:noAutofit/>
-          </a:bodyPr>
-          <a:lstStyle/>
-          <a:p>
-            <a:pPr marL="0" lvl="0" indent="0" algn="r" rtl="0">
-              <a:spcBef>
-                <a:spcPts val="0"/>
-              </a:spcBef>
-              <a:spcAft>
-                <a:spcPts val="0"/>
-              </a:spcAft>
-              <a:buClr>
-                <a:srgbClr val="000000"/>
-              </a:buClr>
-              <a:buSzPts val="1800"/>
-              <a:buFont typeface="Arial"/>
-              <a:buNone/>
-            </a:pPr>
-            <a:fld id="{00000000-1234-1234-1234-123412341234}" type="slidenum">
-              <a:rPr lang="pt-PT"/>
               <a:t>4</a:t>
-            </a:fld>
-            <a:endParaRPr/>
-          </a:p>
-        </p:txBody>
-      </p:sp>
-    </p:spTree>
-    <p:extLst>
-      <p:ext uri="{BB962C8B-B14F-4D97-AF65-F5344CB8AC3E}">
-        <p14:creationId xmlns:p14="http://schemas.microsoft.com/office/powerpoint/2010/main" val="398297854"/>
-      </p:ext>
-    </p:extLst>
-  </p:cSld>
-  <p:clrMapOvr>
-    <a:masterClrMapping/>
-  </p:clrMapOvr>
-</p:sld>
-</file>
-
-<file path=ppt/slides/slide5.xml><?xml version="1.0" encoding="utf-8"?>
-<p:sld xmlns:a="http://schemas.openxmlformats.org/drawingml/2006/main" xmlns:r="http://schemas.openxmlformats.org/officeDocument/2006/relationships" xmlns:p="http://schemas.openxmlformats.org/presentationml/2006/main">
-  <p:cSld>
-    <p:spTree>
-      <p:nvGrpSpPr>
-        <p:cNvPr id="1" name="Shape 50"/>
-        <p:cNvGrpSpPr/>
-        <p:nvPr/>
-      </p:nvGrpSpPr>
-      <p:grpSpPr>
-        <a:xfrm>
-          <a:off x="0" y="0"/>
-          <a:ext cx="0" cy="0"/>
-          <a:chOff x="0" y="0"/>
-          <a:chExt cx="0" cy="0"/>
-        </a:xfrm>
-      </p:grpSpPr>
-      <p:sp>
-        <p:nvSpPr>
-          <p:cNvPr id="51" name="Google Shape;51;p7"/>
-          <p:cNvSpPr txBox="1">
-            <a:spLocks noGrp="1"/>
-          </p:cNvSpPr>
-          <p:nvPr>
-            <p:ph type="body" idx="1"/>
-          </p:nvPr>
-        </p:nvSpPr>
-        <p:spPr>
-          <a:xfrm>
-            <a:off x="1295128" y="1340768"/>
-            <a:ext cx="7597500" cy="5184600"/>
-          </a:xfrm>
-          <a:prstGeom prst="rect">
-            <a:avLst/>
-          </a:prstGeom>
-          <a:noFill/>
-          <a:ln>
-            <a:noFill/>
-          </a:ln>
-        </p:spPr>
-        <p:txBody>
-          <a:bodyPr spcFirstLastPara="1" wrap="square" lIns="91425" tIns="45700" rIns="91425" bIns="45700" anchor="t" anchorCtr="0">
-            <a:normAutofit/>
-          </a:bodyPr>
-          <a:lstStyle/>
-          <a:p>
-            <a:pPr marL="114300" indent="0">
-              <a:buNone/>
-            </a:pPr>
-            <a:br>
-              <a:rPr lang="pt-PT" sz="1600" dirty="0">
-                <a:solidFill>
-                  <a:srgbClr val="D4D4D4"/>
-                </a:solidFill>
-                <a:effectLst/>
-                <a:latin typeface="Menlo, Menlo, "/>
-              </a:rPr>
-            </a:br>
-            <a:endParaRPr lang="pt-PT" sz="1600" dirty="0">
-              <a:solidFill>
-                <a:srgbClr val="D4D4D4"/>
-              </a:solidFill>
-              <a:effectLst/>
-              <a:latin typeface="Menlo, Menlo, "/>
-            </a:endParaRPr>
-          </a:p>
-          <a:p>
-            <a:pPr marL="457200" lvl="0" indent="-393700" algn="l" rtl="0">
-              <a:spcBef>
-                <a:spcPts val="0"/>
-              </a:spcBef>
-              <a:spcAft>
-                <a:spcPts val="0"/>
-              </a:spcAft>
-              <a:buSzPts val="2600"/>
-              <a:buChar char="•"/>
-            </a:pPr>
-            <a:endParaRPr lang="pt-PT" sz="2200" dirty="0"/>
-          </a:p>
-        </p:txBody>
-      </p:sp>
-      <p:sp>
-        <p:nvSpPr>
-          <p:cNvPr id="52" name="Google Shape;52;p7"/>
-          <p:cNvSpPr txBox="1">
-            <a:spLocks noGrp="1"/>
-          </p:cNvSpPr>
-          <p:nvPr>
-            <p:ph type="title"/>
-          </p:nvPr>
-        </p:nvSpPr>
-        <p:spPr>
-          <a:xfrm>
-            <a:off x="2483768" y="1"/>
-            <a:ext cx="4680600" cy="1196700"/>
-          </a:xfrm>
-          <a:prstGeom prst="rect">
-            <a:avLst/>
-          </a:prstGeom>
-          <a:noFill/>
-          <a:ln>
-            <a:noFill/>
-          </a:ln>
-        </p:spPr>
-        <p:txBody>
-          <a:bodyPr spcFirstLastPara="1" wrap="square" lIns="91425" tIns="45700" rIns="91425" bIns="45700" anchor="ctr" anchorCtr="0">
-            <a:normAutofit/>
-          </a:bodyPr>
-          <a:lstStyle/>
-          <a:p>
-            <a:pPr marL="0" lvl="0" indent="0" algn="ctr" rtl="0">
-              <a:lnSpc>
-                <a:spcPct val="100000"/>
-              </a:lnSpc>
-              <a:spcBef>
-                <a:spcPts val="0"/>
-              </a:spcBef>
-              <a:spcAft>
-                <a:spcPts val="0"/>
-              </a:spcAft>
-              <a:buClr>
-                <a:srgbClr val="373E48"/>
-              </a:buClr>
-              <a:buSzPts val="3600"/>
-              <a:buFont typeface="Corbel"/>
-              <a:buNone/>
-            </a:pPr>
-            <a:r>
-              <a:rPr lang="pt-PT" dirty="0" err="1"/>
-              <a:t>Fixed-Point</a:t>
-            </a:r>
-            <a:r>
-              <a:rPr lang="pt-PT" dirty="0"/>
-              <a:t> </a:t>
-            </a:r>
-            <a:r>
-              <a:rPr lang="pt-PT" dirty="0" err="1"/>
-              <a:t>Arithmetic</a:t>
-            </a:r>
-            <a:endParaRPr dirty="0"/>
-          </a:p>
-        </p:txBody>
-      </p:sp>
-      <p:sp>
-        <p:nvSpPr>
-          <p:cNvPr id="53" name="Google Shape;53;p7"/>
-          <p:cNvSpPr txBox="1">
-            <a:spLocks noGrp="1"/>
-          </p:cNvSpPr>
-          <p:nvPr>
-            <p:ph type="sldNum" idx="12"/>
-          </p:nvPr>
-        </p:nvSpPr>
-        <p:spPr>
-          <a:xfrm>
-            <a:off x="7010400" y="6525344"/>
-            <a:ext cx="2133600" cy="332700"/>
-          </a:xfrm>
-          <a:prstGeom prst="rect">
-            <a:avLst/>
-          </a:prstGeom>
-        </p:spPr>
-        <p:txBody>
-          <a:bodyPr spcFirstLastPara="1" wrap="square" lIns="91425" tIns="45700" rIns="91425" bIns="45700" anchor="t" anchorCtr="0">
-            <a:noAutofit/>
-          </a:bodyPr>
-          <a:lstStyle/>
-          <a:p>
-            <a:pPr marL="0" lvl="0" indent="0" algn="r" rtl="0">
-              <a:spcBef>
-                <a:spcPts val="0"/>
-              </a:spcBef>
-              <a:spcAft>
-                <a:spcPts val="0"/>
-              </a:spcAft>
-              <a:buClr>
-                <a:srgbClr val="000000"/>
-              </a:buClr>
-              <a:buSzPts val="1800"/>
-              <a:buFont typeface="Arial"/>
-              <a:buNone/>
-            </a:pPr>
-            <a:fld id="{00000000-1234-1234-1234-123412341234}" type="slidenum">
-              <a:rPr lang="pt-PT"/>
-              <a:t>5</a:t>
             </a:fld>
             <a:endParaRPr/>
           </a:p>
@@ -11203,7 +10625,7 @@
 </p:sld>
 </file>
 
-<file path=ppt/slides/slide6.xml><?xml version="1.0" encoding="utf-8"?>
+<file path=ppt/slides/slide5.xml><?xml version="1.0" encoding="utf-8"?>
 <p:sld xmlns:a="http://schemas.openxmlformats.org/drawingml/2006/main" xmlns:r="http://schemas.openxmlformats.org/officeDocument/2006/relationships" xmlns:p="http://schemas.openxmlformats.org/presentationml/2006/main">
   <p:cSld>
     <p:spTree>
@@ -11387,7 +10809,7 @@
             </a:pPr>
             <a:fld id="{00000000-1234-1234-1234-123412341234}" type="slidenum">
               <a:rPr lang="pt-PT"/>
-              <a:t>6</a:t>
+              <a:t>5</a:t>
             </a:fld>
             <a:endParaRPr dirty="0"/>
           </a:p>
@@ -11466,7 +10888,7 @@
 </p:sld>
 </file>
 
-<file path=ppt/slides/slide7.xml><?xml version="1.0" encoding="utf-8"?>
+<file path=ppt/slides/slide6.xml><?xml version="1.0" encoding="utf-8"?>
 <p:sld xmlns:a="http://schemas.openxmlformats.org/drawingml/2006/main" xmlns:r="http://schemas.openxmlformats.org/officeDocument/2006/relationships" xmlns:p="http://schemas.openxmlformats.org/presentationml/2006/main">
   <p:cSld>
     <p:spTree>
@@ -11650,7 +11072,7 @@
             </a:pPr>
             <a:fld id="{00000000-1234-1234-1234-123412341234}" type="slidenum">
               <a:rPr lang="pt-PT"/>
-              <a:t>7</a:t>
+              <a:t>6</a:t>
             </a:fld>
             <a:endParaRPr/>
           </a:p>
@@ -11678,8 +11100,38 @@
         </p:blipFill>
         <p:spPr>
           <a:xfrm>
-            <a:off x="2769989" y="2245792"/>
+            <a:off x="1295128" y="1814085"/>
             <a:ext cx="3604021" cy="3386912"/>
+          </a:xfrm>
+          <a:prstGeom prst="rect">
+            <a:avLst/>
+          </a:prstGeom>
+        </p:spPr>
+      </p:pic>
+      <p:pic>
+        <p:nvPicPr>
+          <p:cNvPr id="5" name="Picture 4">
+            <a:extLst>
+              <a:ext uri="{FF2B5EF4-FFF2-40B4-BE49-F238E27FC236}">
+                <a16:creationId xmlns:a16="http://schemas.microsoft.com/office/drawing/2014/main" id="{7EE2ED6F-7727-4851-B6E1-06C0433255E8}"/>
+              </a:ext>
+            </a:extLst>
+          </p:cNvPr>
+          <p:cNvPicPr>
+            <a:picLocks noChangeAspect="1"/>
+          </p:cNvPicPr>
+          <p:nvPr/>
+        </p:nvPicPr>
+        <p:blipFill>
+          <a:blip r:embed="rId4"/>
+          <a:stretch>
+            <a:fillRect/>
+          </a:stretch>
+        </p:blipFill>
+        <p:spPr>
+          <a:xfrm>
+            <a:off x="5010338" y="1814085"/>
+            <a:ext cx="3882290" cy="4378583"/>
           </a:xfrm>
           <a:prstGeom prst="rect">
             <a:avLst/>
@@ -11699,7 +11151,7 @@
 </p:sld>
 </file>
 
-<file path=ppt/slides/slide8.xml><?xml version="1.0" encoding="utf-8"?>
+<file path=ppt/slides/slide7.xml><?xml version="1.0" encoding="utf-8"?>
 <p:sld xmlns:a="http://schemas.openxmlformats.org/drawingml/2006/main" xmlns:r="http://schemas.openxmlformats.org/officeDocument/2006/relationships" xmlns:p="http://schemas.openxmlformats.org/presentationml/2006/main">
   <p:cSld>
     <p:spTree>
@@ -11831,7 +11283,7 @@
             </a:pPr>
             <a:fld id="{00000000-1234-1234-1234-123412341234}" type="slidenum">
               <a:rPr lang="pt-PT"/>
-              <a:t>8</a:t>
+              <a:t>7</a:t>
             </a:fld>
             <a:endParaRPr/>
           </a:p>
@@ -11841,6 +11293,225 @@
     <p:extLst>
       <p:ext uri="{BB962C8B-B14F-4D97-AF65-F5344CB8AC3E}">
         <p14:creationId xmlns:p14="http://schemas.microsoft.com/office/powerpoint/2010/main" val="1806553977"/>
+      </p:ext>
+    </p:extLst>
+  </p:cSld>
+  <p:clrMapOvr>
+    <a:masterClrMapping/>
+  </p:clrMapOvr>
+</p:sld>
+</file>
+
+<file path=ppt/slides/slide8.xml><?xml version="1.0" encoding="utf-8"?>
+<p:sld xmlns:a="http://schemas.openxmlformats.org/drawingml/2006/main" xmlns:r="http://schemas.openxmlformats.org/officeDocument/2006/relationships" xmlns:p="http://schemas.openxmlformats.org/presentationml/2006/main">
+  <p:cSld>
+    <p:spTree>
+      <p:nvGrpSpPr>
+        <p:cNvPr id="1" name="Shape 50"/>
+        <p:cNvGrpSpPr/>
+        <p:nvPr/>
+      </p:nvGrpSpPr>
+      <p:grpSpPr>
+        <a:xfrm>
+          <a:off x="0" y="0"/>
+          <a:ext cx="0" cy="0"/>
+          <a:chOff x="0" y="0"/>
+          <a:chExt cx="0" cy="0"/>
+        </a:xfrm>
+      </p:grpSpPr>
+      <p:sp>
+        <p:nvSpPr>
+          <p:cNvPr id="51" name="Google Shape;51;p7"/>
+          <p:cNvSpPr txBox="1">
+            <a:spLocks noGrp="1"/>
+          </p:cNvSpPr>
+          <p:nvPr>
+            <p:ph type="body" idx="1"/>
+          </p:nvPr>
+        </p:nvSpPr>
+        <p:spPr>
+          <a:xfrm>
+            <a:off x="1295128" y="1340768"/>
+            <a:ext cx="7597500" cy="5184600"/>
+          </a:xfrm>
+          <a:prstGeom prst="rect">
+            <a:avLst/>
+          </a:prstGeom>
+          <a:noFill/>
+          <a:ln>
+            <a:noFill/>
+          </a:ln>
+        </p:spPr>
+        <p:txBody>
+          <a:bodyPr spcFirstLastPara="1" wrap="square" lIns="91425" tIns="45700" rIns="91425" bIns="45700" anchor="t" anchorCtr="0">
+            <a:normAutofit/>
+          </a:bodyPr>
+          <a:lstStyle/>
+          <a:p>
+            <a:pPr marL="457200" lvl="0" indent="-393700" algn="l" rtl="0">
+              <a:spcBef>
+                <a:spcPts val="0"/>
+              </a:spcBef>
+              <a:spcAft>
+                <a:spcPts val="0"/>
+              </a:spcAft>
+              <a:buSzPts val="2600"/>
+              <a:buChar char="•"/>
+            </a:pPr>
+            <a:endParaRPr sz="2200" dirty="0"/>
+          </a:p>
+        </p:txBody>
+      </p:sp>
+      <p:sp>
+        <p:nvSpPr>
+          <p:cNvPr id="52" name="Google Shape;52;p7"/>
+          <p:cNvSpPr txBox="1">
+            <a:spLocks noGrp="1"/>
+          </p:cNvSpPr>
+          <p:nvPr>
+            <p:ph type="title"/>
+          </p:nvPr>
+        </p:nvSpPr>
+        <p:spPr>
+          <a:xfrm>
+            <a:off x="2483768" y="1"/>
+            <a:ext cx="4680600" cy="1196700"/>
+          </a:xfrm>
+          <a:prstGeom prst="rect">
+            <a:avLst/>
+          </a:prstGeom>
+          <a:noFill/>
+          <a:ln>
+            <a:noFill/>
+          </a:ln>
+        </p:spPr>
+        <p:txBody>
+          <a:bodyPr spcFirstLastPara="1" wrap="square" lIns="91425" tIns="45700" rIns="91425" bIns="45700" anchor="ctr" anchorCtr="0">
+            <a:normAutofit/>
+          </a:bodyPr>
+          <a:lstStyle/>
+          <a:p>
+            <a:pPr marL="0" lvl="0" indent="0" algn="ctr" rtl="0">
+              <a:lnSpc>
+                <a:spcPct val="100000"/>
+              </a:lnSpc>
+              <a:spcBef>
+                <a:spcPts val="0"/>
+              </a:spcBef>
+              <a:spcAft>
+                <a:spcPts val="0"/>
+              </a:spcAft>
+              <a:buClr>
+                <a:srgbClr val="373E48"/>
+              </a:buClr>
+              <a:buSzPts val="3600"/>
+              <a:buFont typeface="Corbel"/>
+              <a:buNone/>
+            </a:pPr>
+            <a:r>
+              <a:rPr lang="pt-PT" dirty="0" err="1"/>
+              <a:t>Low</a:t>
+            </a:r>
+            <a:r>
+              <a:rPr lang="pt-PT" dirty="0"/>
+              <a:t> </a:t>
+            </a:r>
+            <a:r>
+              <a:rPr lang="pt-PT" dirty="0" err="1"/>
+              <a:t>Pass</a:t>
+            </a:r>
+            <a:r>
+              <a:rPr lang="pt-PT" dirty="0"/>
+              <a:t> </a:t>
+            </a:r>
+            <a:r>
+              <a:rPr lang="pt-PT" dirty="0" err="1"/>
+              <a:t>Filter</a:t>
+            </a:r>
+            <a:endParaRPr dirty="0"/>
+          </a:p>
+        </p:txBody>
+      </p:sp>
+      <p:sp>
+        <p:nvSpPr>
+          <p:cNvPr id="53" name="Google Shape;53;p7"/>
+          <p:cNvSpPr txBox="1">
+            <a:spLocks noGrp="1"/>
+          </p:cNvSpPr>
+          <p:nvPr>
+            <p:ph type="sldNum" idx="12"/>
+          </p:nvPr>
+        </p:nvSpPr>
+        <p:spPr>
+          <a:xfrm>
+            <a:off x="7010400" y="6525344"/>
+            <a:ext cx="2133600" cy="332700"/>
+          </a:xfrm>
+          <a:prstGeom prst="rect">
+            <a:avLst/>
+          </a:prstGeom>
+        </p:spPr>
+        <p:txBody>
+          <a:bodyPr spcFirstLastPara="1" wrap="square" lIns="91425" tIns="45700" rIns="91425" bIns="45700" anchor="t" anchorCtr="0">
+            <a:noAutofit/>
+          </a:bodyPr>
+          <a:lstStyle/>
+          <a:p>
+            <a:pPr marL="0" lvl="0" indent="0" algn="r" rtl="0">
+              <a:spcBef>
+                <a:spcPts val="0"/>
+              </a:spcBef>
+              <a:spcAft>
+                <a:spcPts val="0"/>
+              </a:spcAft>
+              <a:buClr>
+                <a:srgbClr val="000000"/>
+              </a:buClr>
+              <a:buSzPts val="1800"/>
+              <a:buFont typeface="Arial"/>
+              <a:buNone/>
+            </a:pPr>
+            <a:fld id="{00000000-1234-1234-1234-123412341234}" type="slidenum">
+              <a:rPr lang="pt-PT"/>
+              <a:t>8</a:t>
+            </a:fld>
+            <a:endParaRPr/>
+          </a:p>
+        </p:txBody>
+      </p:sp>
+      <p:pic>
+        <p:nvPicPr>
+          <p:cNvPr id="5" name="Picture 4" descr="A picture containing background pattern&#10;&#10;Description automatically generated">
+            <a:extLst>
+              <a:ext uri="{FF2B5EF4-FFF2-40B4-BE49-F238E27FC236}">
+                <a16:creationId xmlns:a16="http://schemas.microsoft.com/office/drawing/2014/main" id="{F9D5E11A-0BA5-4358-B826-DF050FCAFECF}"/>
+              </a:ext>
+            </a:extLst>
+          </p:cNvPr>
+          <p:cNvPicPr>
+            <a:picLocks noChangeAspect="1"/>
+          </p:cNvPicPr>
+          <p:nvPr/>
+        </p:nvPicPr>
+        <p:blipFill rotWithShape="1">
+          <a:blip r:embed="rId3"/>
+          <a:srcRect l="9243" r="7923"/>
+          <a:stretch/>
+        </p:blipFill>
+        <p:spPr>
+          <a:xfrm>
+            <a:off x="1127514" y="1711697"/>
+            <a:ext cx="8016486" cy="4813647"/>
+          </a:xfrm>
+          <a:prstGeom prst="rect">
+            <a:avLst/>
+          </a:prstGeom>
+        </p:spPr>
+      </p:pic>
+    </p:spTree>
+    <p:extLst>
+      <p:ext uri="{BB962C8B-B14F-4D97-AF65-F5344CB8AC3E}">
+        <p14:creationId xmlns:p14="http://schemas.microsoft.com/office/powerpoint/2010/main" val="2546227741"/>
       </p:ext>
     </p:extLst>
   </p:cSld>
@@ -11958,7 +11629,7 @@
             </a:pPr>
             <a:r>
               <a:rPr lang="pt-PT" dirty="0" err="1"/>
-              <a:t>Low</a:t>
+              <a:t>High</a:t>
             </a:r>
             <a:r>
               <a:rPr lang="pt-PT" dirty="0"/>
@@ -12029,10 +11700,10 @@
       </p:sp>
       <p:pic>
         <p:nvPicPr>
-          <p:cNvPr id="5" name="Picture 4" descr="A picture containing background pattern&#10;&#10;Description automatically generated">
+          <p:cNvPr id="5" name="Picture 4" descr="A picture containing histogram&#10;&#10;Description automatically generated">
             <a:extLst>
               <a:ext uri="{FF2B5EF4-FFF2-40B4-BE49-F238E27FC236}">
-                <a16:creationId xmlns:a16="http://schemas.microsoft.com/office/drawing/2014/main" id="{F9D5E11A-0BA5-4358-B826-DF050FCAFECF}"/>
+                <a16:creationId xmlns:a16="http://schemas.microsoft.com/office/drawing/2014/main" id="{C7929E25-95E8-48C4-9289-5930D623B061}"/>
               </a:ext>
             </a:extLst>
           </p:cNvPr>
@@ -12043,13 +11714,13 @@
         </p:nvPicPr>
         <p:blipFill rotWithShape="1">
           <a:blip r:embed="rId3"/>
-          <a:srcRect l="9243" r="7923"/>
+          <a:srcRect l="8779" r="8134"/>
           <a:stretch/>
         </p:blipFill>
         <p:spPr>
           <a:xfrm>
-            <a:off x="1127514" y="1711697"/>
-            <a:ext cx="8016486" cy="4813647"/>
+            <a:off x="1121664" y="1722831"/>
+            <a:ext cx="8022336" cy="4802513"/>
           </a:xfrm>
           <a:prstGeom prst="rect">
             <a:avLst/>
@@ -12059,7 +11730,7 @@
     </p:spTree>
     <p:extLst>
       <p:ext uri="{BB962C8B-B14F-4D97-AF65-F5344CB8AC3E}">
-        <p14:creationId xmlns:p14="http://schemas.microsoft.com/office/powerpoint/2010/main" val="2546227741"/>
+        <p14:creationId xmlns:p14="http://schemas.microsoft.com/office/powerpoint/2010/main" val="2096078855"/>
       </p:ext>
     </p:extLst>
   </p:cSld>
